--- a/Machine Learning.pptx
+++ b/Machine Learning.pptx
@@ -115,6 +115,11 @@
       </a:defRPr>
     </a:lvl9pPr>
   </p:defaultTextStyle>
+  <p:extLst>
+    <p:ext uri="{EFAFB233-063F-42B5-8137-9DF3F51BA10A}">
+      <p15:sldGuideLst xmlns:p15="http://schemas.microsoft.com/office/powerpoint/2012/main"/>
+    </p:ext>
+  </p:extLst>
 </p:presentation>
 </file>
 
@@ -304,7 +309,7 @@
           <a:p>
             <a:fld id="{4AAD347D-5ACD-4C99-B74B-A9C85AD731AF}" type="datetimeFigureOut">
               <a:rPr lang="en-US" dirty="0"/>
-              <a:t>12/2/2014</a:t>
+              <a:t>12/3/2014</a:t>
             </a:fld>
             <a:endParaRPr lang="en-US" dirty="0"/>
           </a:p>
@@ -574,7 +579,7 @@
           <a:p>
             <a:fld id="{4509A250-FF31-4206-8172-F9D3106AACB1}" type="datetimeFigureOut">
               <a:rPr lang="en-US" dirty="0"/>
-              <a:t>12/2/2014</a:t>
+              <a:t>12/3/2014</a:t>
             </a:fld>
             <a:endParaRPr lang="en-US" dirty="0"/>
           </a:p>
@@ -763,7 +768,7 @@
           <a:p>
             <a:fld id="{4509A250-FF31-4206-8172-F9D3106AACB1}" type="datetimeFigureOut">
               <a:rPr lang="en-US" dirty="0"/>
-              <a:t>12/2/2014</a:t>
+              <a:t>12/3/2014</a:t>
             </a:fld>
             <a:endParaRPr lang="en-US" dirty="0"/>
           </a:p>
@@ -1029,7 +1034,7 @@
           <a:p>
             <a:fld id="{4509A250-FF31-4206-8172-F9D3106AACB1}" type="datetimeFigureOut">
               <a:rPr lang="en-US" dirty="0"/>
-              <a:t>12/2/2014</a:t>
+              <a:t>12/3/2014</a:t>
             </a:fld>
             <a:endParaRPr lang="en-US" dirty="0"/>
           </a:p>
@@ -1351,7 +1356,7 @@
           <a:p>
             <a:fld id="{4509A250-FF31-4206-8172-F9D3106AACB1}" type="datetimeFigureOut">
               <a:rPr lang="en-US" dirty="0"/>
-              <a:t>12/2/2014</a:t>
+              <a:t>12/3/2014</a:t>
             </a:fld>
             <a:endParaRPr lang="en-US" dirty="0"/>
           </a:p>
@@ -1965,7 +1970,7 @@
           <a:p>
             <a:fld id="{4509A250-FF31-4206-8172-F9D3106AACB1}" type="datetimeFigureOut">
               <a:rPr lang="en-US" dirty="0"/>
-              <a:t>12/2/2014</a:t>
+              <a:t>12/3/2014</a:t>
             </a:fld>
             <a:endParaRPr lang="en-US" dirty="0"/>
           </a:p>
@@ -2807,7 +2812,7 @@
           <a:p>
             <a:fld id="{4509A250-FF31-4206-8172-F9D3106AACB1}" type="datetimeFigureOut">
               <a:rPr lang="en-US" dirty="0"/>
-              <a:t>12/2/2014</a:t>
+              <a:t>12/3/2014</a:t>
             </a:fld>
             <a:endParaRPr lang="en-US" dirty="0"/>
           </a:p>
@@ -2972,7 +2977,7 @@
           <a:p>
             <a:fld id="{4509A250-FF31-4206-8172-F9D3106AACB1}" type="datetimeFigureOut">
               <a:rPr lang="en-US" dirty="0"/>
-              <a:t>12/2/2014</a:t>
+              <a:t>12/3/2014</a:t>
             </a:fld>
             <a:endParaRPr lang="en-US" dirty="0"/>
           </a:p>
@@ -3147,7 +3152,7 @@
           <a:p>
             <a:fld id="{4509A250-FF31-4206-8172-F9D3106AACB1}" type="datetimeFigureOut">
               <a:rPr lang="en-US" dirty="0"/>
-              <a:t>12/2/2014</a:t>
+              <a:t>12/3/2014</a:t>
             </a:fld>
             <a:endParaRPr lang="en-US" dirty="0"/>
           </a:p>
@@ -3312,7 +3317,7 @@
           <a:p>
             <a:fld id="{9796027F-7875-4030-9381-8BD8C4F21935}" type="datetimeFigureOut">
               <a:rPr lang="en-US" dirty="0"/>
-              <a:t>12/2/2014</a:t>
+              <a:t>12/3/2014</a:t>
             </a:fld>
             <a:endParaRPr lang="en-US" dirty="0"/>
           </a:p>
@@ -3554,7 +3559,7 @@
           <a:p>
             <a:fld id="{9796027F-7875-4030-9381-8BD8C4F21935}" type="datetimeFigureOut">
               <a:rPr lang="en-US" dirty="0"/>
-              <a:t>12/2/2014</a:t>
+              <a:t>12/3/2014</a:t>
             </a:fld>
             <a:endParaRPr lang="en-US" dirty="0"/>
           </a:p>
@@ -3841,7 +3846,7 @@
           <a:p>
             <a:fld id="{9796027F-7875-4030-9381-8BD8C4F21935}" type="datetimeFigureOut">
               <a:rPr lang="en-US" dirty="0"/>
-              <a:t>12/2/2014</a:t>
+              <a:t>12/3/2014</a:t>
             </a:fld>
             <a:endParaRPr lang="en-US" dirty="0"/>
           </a:p>
@@ -4280,7 +4285,7 @@
           <a:p>
             <a:fld id="{9796027F-7875-4030-9381-8BD8C4F21935}" type="datetimeFigureOut">
               <a:rPr lang="en-US" dirty="0"/>
-              <a:t>12/2/2014</a:t>
+              <a:t>12/3/2014</a:t>
             </a:fld>
             <a:endParaRPr lang="en-US" dirty="0"/>
           </a:p>
@@ -4393,7 +4398,7 @@
           <a:p>
             <a:fld id="{4509A250-FF31-4206-8172-F9D3106AACB1}" type="datetimeFigureOut">
               <a:rPr lang="en-US" dirty="0"/>
-              <a:t>12/2/2014</a:t>
+              <a:t>12/3/2014</a:t>
             </a:fld>
             <a:endParaRPr lang="en-US" dirty="0"/>
           </a:p>
@@ -4483,7 +4488,7 @@
           <a:p>
             <a:fld id="{4509A250-FF31-4206-8172-F9D3106AACB1}" type="datetimeFigureOut">
               <a:rPr lang="en-US" dirty="0"/>
-              <a:t>12/2/2014</a:t>
+              <a:t>12/3/2014</a:t>
             </a:fld>
             <a:endParaRPr lang="en-US" dirty="0"/>
           </a:p>
@@ -4757,7 +4762,7 @@
           <a:p>
             <a:fld id="{4509A250-FF31-4206-8172-F9D3106AACB1}" type="datetimeFigureOut">
               <a:rPr lang="en-US" dirty="0"/>
-              <a:t>12/2/2014</a:t>
+              <a:t>12/3/2014</a:t>
             </a:fld>
             <a:endParaRPr lang="en-US" dirty="0"/>
           </a:p>
@@ -5027,7 +5032,7 @@
           <a:p>
             <a:fld id="{4509A250-FF31-4206-8172-F9D3106AACB1}" type="datetimeFigureOut">
               <a:rPr lang="en-US" dirty="0"/>
-              <a:t>12/2/2014</a:t>
+              <a:t>12/3/2014</a:t>
             </a:fld>
             <a:endParaRPr lang="en-US" dirty="0"/>
           </a:p>
@@ -5445,7 +5450,7 @@
           <a:p>
             <a:fld id="{4AAD347D-5ACD-4C99-B74B-A9C85AD731AF}" type="datetimeFigureOut">
               <a:rPr lang="en-US" dirty="0"/>
-              <a:t>12/2/2014</a:t>
+              <a:t>12/3/2014</a:t>
             </a:fld>
             <a:endParaRPr lang="en-US" dirty="0"/>
           </a:p>
@@ -5985,32 +5990,63 @@
           <a:lstStyle/>
           <a:p>
             <a:r>
+              <a:rPr lang="pt-BR" sz="6000" dirty="0" smtClean="0"/>
+              <a:t/>
+            </a:r>
+            <a:br>
+              <a:rPr lang="pt-BR" sz="6000" dirty="0" smtClean="0"/>
+            </a:br>
+            <a:r>
+              <a:rPr lang="pt-BR" sz="6000" dirty="0" err="1" smtClean="0"/>
+              <a:t>IMDb</a:t>
+            </a:r>
+            <a:r>
+              <a:rPr lang="pt-BR" sz="6000" dirty="0" smtClean="0"/>
+              <a:t> </a:t>
+            </a:r>
+            <a:r>
+              <a:rPr lang="pt-BR" sz="6000" dirty="0" err="1" smtClean="0"/>
+              <a:t>Review</a:t>
+            </a:r>
+            <a:r>
+              <a:rPr lang="pt-BR" sz="6000" dirty="0" smtClean="0"/>
+              <a:t> </a:t>
+            </a:r>
+            <a:r>
+              <a:rPr lang="pt-BR" sz="6000" dirty="0" err="1" smtClean="0"/>
+              <a:t>Analyser</a:t>
+            </a:r>
+            <a:r>
+              <a:rPr lang="pt-BR" dirty="0" smtClean="0"/>
+              <a:t>	</a:t>
+            </a:r>
+            <a:endParaRPr lang="en-US" dirty="0"/>
+          </a:p>
+        </p:txBody>
+      </p:sp>
+      <p:sp>
+        <p:nvSpPr>
+          <p:cNvPr id="3" name="Subtitle 2"/>
+          <p:cNvSpPr>
+            <a:spLocks noGrp="1"/>
+          </p:cNvSpPr>
+          <p:nvPr>
+            <p:ph type="subTitle" idx="1"/>
+          </p:nvPr>
+        </p:nvSpPr>
+        <p:spPr/>
+        <p:txBody>
+          <a:bodyPr/>
+          <a:lstStyle/>
+          <a:p>
+            <a:r>
               <a:rPr lang="pt-BR" dirty="0" err="1" smtClean="0"/>
               <a:t>Machine</a:t>
             </a:r>
             <a:r>
               <a:rPr lang="pt-BR" dirty="0" smtClean="0"/>
-              <a:t> Learning	</a:t>
-            </a:r>
-            <a:endParaRPr lang="en-US" dirty="0"/>
-          </a:p>
-        </p:txBody>
-      </p:sp>
-      <p:sp>
-        <p:nvSpPr>
-          <p:cNvPr id="3" name="Subtitle 2"/>
-          <p:cNvSpPr>
-            <a:spLocks noGrp="1"/>
-          </p:cNvSpPr>
-          <p:nvPr>
-            <p:ph type="subTitle" idx="1"/>
-          </p:nvPr>
-        </p:nvSpPr>
-        <p:spPr/>
-        <p:txBody>
-          <a:bodyPr/>
-          <a:lstStyle/>
-          <a:p>
+              <a:t> Learning</a:t>
+            </a:r>
             <a:endParaRPr lang="en-US" dirty="0"/>
           </a:p>
         </p:txBody>
@@ -7505,6 +7541,39 @@
       </p:sp>
       <p:pic>
         <p:nvPicPr>
+          <p:cNvPr id="3" name="Explosion">
+            <a:hlinkClick r:id="" action="ppaction://media"/>
+          </p:cNvPr>
+          <p:cNvPicPr>
+            <a:picLocks noChangeAspect="1"/>
+          </p:cNvPicPr>
+          <p:nvPr>
+            <a:audioFile r:link="rId2"/>
+            <p:extLst>
+              <p:ext uri="{DAA4B4D4-6D71-4841-9C94-3DE7FCFB9230}">
+                <p14:media xmlns:p14="http://schemas.microsoft.com/office/powerpoint/2010/main" r:embed="rId1"/>
+              </p:ext>
+            </p:extLst>
+          </p:nvPr>
+        </p:nvPicPr>
+        <p:blipFill>
+          <a:blip r:embed="rId4"/>
+          <a:stretch>
+            <a:fillRect/>
+          </a:stretch>
+        </p:blipFill>
+        <p:spPr>
+          <a:xfrm>
+            <a:off x="7246514" y="4964855"/>
+            <a:ext cx="609600" cy="609600"/>
+          </a:xfrm>
+          <a:prstGeom prst="rect">
+            <a:avLst/>
+          </a:prstGeom>
+        </p:spPr>
+      </p:pic>
+      <p:pic>
+        <p:nvPicPr>
           <p:cNvPr id="5" name="Content Placeholder 4"/>
           <p:cNvPicPr>
             <a:picLocks noGrp="1" noChangeAspect="1"/>
@@ -7514,7 +7583,7 @@
           </p:nvPr>
         </p:nvPicPr>
         <p:blipFill>
-          <a:blip r:embed="rId2">
+          <a:blip r:embed="rId5">
             <a:extLst>
               <a:ext uri="{28A0092B-C50C-407E-A947-70E740481C1C}">
                 <a14:useLocalDpi xmlns:a14="http://schemas.microsoft.com/office/drawing/2010/main" val="0"/>
@@ -7545,7 +7614,140 @@
   <p:timing>
     <p:tnLst>
       <p:par>
-        <p:cTn id="1" dur="indefinite" restart="never" nodeType="tmRoot"/>
+        <p:cTn id="1" dur="indefinite" restart="never" nodeType="tmRoot">
+          <p:childTnLst>
+            <p:seq concurrent="1" nextAc="seek">
+              <p:cTn id="2" dur="indefinite" nodeType="mainSeq">
+                <p:childTnLst>
+                  <p:par>
+                    <p:cTn id="3" fill="hold">
+                      <p:stCondLst>
+                        <p:cond delay="indefinite"/>
+                        <p:cond evt="onBegin" delay="0">
+                          <p:tn val="2"/>
+                        </p:cond>
+                      </p:stCondLst>
+                      <p:childTnLst>
+                        <p:par>
+                          <p:cTn id="4" fill="hold">
+                            <p:stCondLst>
+                              <p:cond delay="0"/>
+                            </p:stCondLst>
+                            <p:childTnLst>
+                              <p:par>
+                                <p:cTn id="5" presetID="1" presetClass="mediacall" presetSubtype="0" fill="hold" nodeType="afterEffect">
+                                  <p:stCondLst>
+                                    <p:cond delay="0"/>
+                                  </p:stCondLst>
+                                  <p:childTnLst>
+                                    <p:cmd type="call" cmd="playFrom(0.0)">
+                                      <p:cBhvr>
+                                        <p:cTn id="6" dur="5381" fill="hold"/>
+                                        <p:tgtEl>
+                                          <p:spTgt spid="3"/>
+                                        </p:tgtEl>
+                                      </p:cBhvr>
+                                    </p:cmd>
+                                  </p:childTnLst>
+                                </p:cTn>
+                              </p:par>
+                            </p:childTnLst>
+                          </p:cTn>
+                        </p:par>
+                      </p:childTnLst>
+                    </p:cTn>
+                  </p:par>
+                  <p:par>
+                    <p:cTn id="7" fill="hold">
+                      <p:stCondLst>
+                        <p:cond delay="indefinite"/>
+                      </p:stCondLst>
+                      <p:childTnLst>
+                        <p:par>
+                          <p:cTn id="8" fill="hold">
+                            <p:stCondLst>
+                              <p:cond delay="0"/>
+                            </p:stCondLst>
+                            <p:childTnLst>
+                              <p:par>
+                                <p:cTn id="9" presetID="14" presetClass="exit" presetSubtype="10" fill="hold" nodeType="clickEffect">
+                                  <p:stCondLst>
+                                    <p:cond delay="0"/>
+                                  </p:stCondLst>
+                                  <p:childTnLst>
+                                    <p:animEffect transition="out" filter="randombar(horizontal)">
+                                      <p:cBhvr>
+                                        <p:cTn id="10" dur="500"/>
+                                        <p:tgtEl>
+                                          <p:spTgt spid="5"/>
+                                        </p:tgtEl>
+                                      </p:cBhvr>
+                                    </p:animEffect>
+                                    <p:set>
+                                      <p:cBhvr>
+                                        <p:cTn id="11" dur="1" fill="hold">
+                                          <p:stCondLst>
+                                            <p:cond delay="499"/>
+                                          </p:stCondLst>
+                                        </p:cTn>
+                                        <p:tgtEl>
+                                          <p:spTgt spid="5"/>
+                                        </p:tgtEl>
+                                        <p:attrNameLst>
+                                          <p:attrName>style.visibility</p:attrName>
+                                        </p:attrNameLst>
+                                      </p:cBhvr>
+                                      <p:to>
+                                        <p:strVal val="hidden"/>
+                                      </p:to>
+                                    </p:set>
+                                  </p:childTnLst>
+                                </p:cTn>
+                              </p:par>
+                            </p:childTnLst>
+                          </p:cTn>
+                        </p:par>
+                      </p:childTnLst>
+                    </p:cTn>
+                  </p:par>
+                </p:childTnLst>
+              </p:cTn>
+              <p:prevCondLst>
+                <p:cond evt="onPrev" delay="0">
+                  <p:tgtEl>
+                    <p:sldTgt/>
+                  </p:tgtEl>
+                </p:cond>
+              </p:prevCondLst>
+              <p:nextCondLst>
+                <p:cond evt="onNext" delay="0">
+                  <p:tgtEl>
+                    <p:sldTgt/>
+                  </p:tgtEl>
+                </p:cond>
+              </p:nextCondLst>
+            </p:seq>
+            <p:audio>
+              <p:cMediaNode vol="80000">
+                <p:cTn id="12" fill="hold" display="0">
+                  <p:stCondLst>
+                    <p:cond delay="indefinite"/>
+                  </p:stCondLst>
+                  <p:endCondLst>
+                    <p:cond evt="onStopAudio" delay="0">
+                      <p:tgtEl>
+                        <p:sldTgt/>
+                      </p:tgtEl>
+                    </p:cond>
+                  </p:endCondLst>
+                </p:cTn>
+                <p:tgtEl>
+                  <p:spTgt spid="3"/>
+                </p:tgtEl>
+              </p:cMediaNode>
+            </p:audio>
+          </p:childTnLst>
+        </p:cTn>
       </p:par>
     </p:tnLst>
   </p:timing>

--- a/Machine Learning.pptx
+++ b/Machine Learning.pptx
@@ -6477,7 +6477,12 @@
             <p:ph type="title"/>
           </p:nvPr>
         </p:nvSpPr>
-        <p:spPr/>
+        <p:spPr>
+          <a:xfrm>
+            <a:off x="140124" y="143625"/>
+            <a:ext cx="9404723" cy="1400530"/>
+          </a:xfrm>
+        </p:spPr>
         <p:txBody>
           <a:bodyPr/>
           <a:lstStyle/>
@@ -6485,34 +6490,6 @@
             <a:r>
               <a:rPr lang="pt-BR" dirty="0" smtClean="0"/>
               <a:t>Como?</a:t>
-            </a:r>
-            <a:endParaRPr lang="en-US" dirty="0"/>
-          </a:p>
-        </p:txBody>
-      </p:sp>
-      <p:sp>
-        <p:nvSpPr>
-          <p:cNvPr id="3" name="Content Placeholder 2"/>
-          <p:cNvSpPr>
-            <a:spLocks noGrp="1"/>
-          </p:cNvSpPr>
-          <p:nvPr>
-            <p:ph idx="1"/>
-          </p:nvPr>
-        </p:nvSpPr>
-        <p:spPr>
-          <a:xfrm>
-            <a:off x="369216" y="1853248"/>
-            <a:ext cx="8946541" cy="4195481"/>
-          </a:xfrm>
-        </p:spPr>
-        <p:txBody>
-          <a:bodyPr/>
-          <a:lstStyle/>
-          <a:p>
-            <a:r>
-              <a:rPr lang="pt-BR" sz="2800" dirty="0" smtClean="0"/>
-              <a:t>TI-IDF</a:t>
             </a:r>
             <a:endParaRPr lang="en-US" dirty="0"/>
           </a:p>
@@ -6539,8 +6516,8 @@
           </a:stretch>
         </p:blipFill>
         <p:spPr>
-          <a:xfrm rot="20161158">
-            <a:off x="1640890" y="382714"/>
+          <a:xfrm rot="20499927">
+            <a:off x="1023284" y="215289"/>
             <a:ext cx="11180278" cy="5962815"/>
           </a:xfrm>
           <a:prstGeom prst="rect">
@@ -6548,6 +6525,34 @@
           </a:prstGeom>
         </p:spPr>
       </p:pic>
+      <p:sp>
+        <p:nvSpPr>
+          <p:cNvPr id="3" name="Content Placeholder 2"/>
+          <p:cNvSpPr>
+            <a:spLocks noGrp="1"/>
+          </p:cNvSpPr>
+          <p:nvPr>
+            <p:ph idx="1"/>
+          </p:nvPr>
+        </p:nvSpPr>
+        <p:spPr>
+          <a:xfrm>
+            <a:off x="140124" y="1098955"/>
+            <a:ext cx="8946541" cy="4195481"/>
+          </a:xfrm>
+        </p:spPr>
+        <p:txBody>
+          <a:bodyPr/>
+          <a:lstStyle/>
+          <a:p>
+            <a:r>
+              <a:rPr lang="pt-BR" sz="2800" dirty="0" smtClean="0"/>
+              <a:t>TI-IDF</a:t>
+            </a:r>
+            <a:endParaRPr lang="en-US" dirty="0"/>
+          </a:p>
+        </p:txBody>
+      </p:sp>
     </p:spTree>
     <p:extLst>
       <p:ext uri="{BB962C8B-B14F-4D97-AF65-F5344CB8AC3E}">

--- a/Machine Learning.pptx
+++ b/Machine Learning.pptx
@@ -5997,23 +5997,33 @@
               <a:rPr lang="pt-BR" sz="6000" dirty="0" smtClean="0"/>
             </a:br>
             <a:r>
-              <a:rPr lang="pt-BR" sz="6000" dirty="0" err="1" smtClean="0"/>
+              <a:rPr lang="pt-BR" sz="6000" dirty="0" err="1" smtClean="0">
+                <a:latin typeface="Comic Sans MS" panose="030F0702030302020204" pitchFamily="66" charset="0"/>
+              </a:rPr>
               <a:t>IMDb</a:t>
             </a:r>
             <a:r>
-              <a:rPr lang="pt-BR" sz="6000" dirty="0" smtClean="0"/>
+              <a:rPr lang="pt-BR" sz="6000" dirty="0" smtClean="0">
+                <a:latin typeface="Comic Sans MS" panose="030F0702030302020204" pitchFamily="66" charset="0"/>
+              </a:rPr>
               <a:t> </a:t>
             </a:r>
             <a:r>
-              <a:rPr lang="pt-BR" sz="6000" dirty="0" err="1" smtClean="0"/>
+              <a:rPr lang="pt-BR" sz="6000" dirty="0" err="1" smtClean="0">
+                <a:latin typeface="Comic Sans MS" panose="030F0702030302020204" pitchFamily="66" charset="0"/>
+              </a:rPr>
               <a:t>Review</a:t>
             </a:r>
             <a:r>
-              <a:rPr lang="pt-BR" sz="6000" dirty="0" smtClean="0"/>
+              <a:rPr lang="pt-BR" sz="6000" dirty="0" smtClean="0">
+                <a:latin typeface="Comic Sans MS" panose="030F0702030302020204" pitchFamily="66" charset="0"/>
+              </a:rPr>
               <a:t> </a:t>
             </a:r>
             <a:r>
-              <a:rPr lang="pt-BR" sz="6000" dirty="0" err="1" smtClean="0"/>
+              <a:rPr lang="pt-BR" sz="6000" dirty="0" err="1" smtClean="0">
+                <a:latin typeface="Comic Sans MS" panose="030F0702030302020204" pitchFamily="66" charset="0"/>
+              </a:rPr>
               <a:t>Analyser</a:t>
             </a:r>
             <a:r>
@@ -6294,7 +6304,12 @@
             <p:ph type="title"/>
           </p:nvPr>
         </p:nvSpPr>
-        <p:spPr/>
+        <p:spPr>
+          <a:xfrm>
+            <a:off x="1599147" y="130746"/>
+            <a:ext cx="9404723" cy="1400530"/>
+          </a:xfrm>
+        </p:spPr>
         <p:txBody>
           <a:bodyPr/>
           <a:lstStyle/>
@@ -6320,27 +6335,62 @@
             <p:ph idx="1"/>
           </p:nvPr>
         </p:nvSpPr>
-        <p:spPr/>
+        <p:spPr>
+          <a:xfrm>
+            <a:off x="2777565" y="945335"/>
+            <a:ext cx="8946541" cy="4195481"/>
+          </a:xfrm>
+        </p:spPr>
         <p:txBody>
           <a:bodyPr/>
           <a:lstStyle/>
           <a:p>
             <a:r>
               <a:rPr lang="pt-BR" dirty="0" smtClean="0"/>
-              <a:t>72%, melhor que no </a:t>
+              <a:t>70.2! (praticamente o mesmo que o </a:t>
             </a:r>
             <a:r>
               <a:rPr lang="pt-BR" dirty="0" err="1" smtClean="0"/>
-              <a:t>weka</a:t>
+              <a:t>Weka</a:t>
             </a:r>
             <a:r>
               <a:rPr lang="pt-BR" dirty="0" smtClean="0"/>
-              <a:t>!</a:t>
-            </a:r>
-            <a:endParaRPr lang="en-US" dirty="0"/>
-          </a:p>
-        </p:txBody>
-      </p:sp>
+              <a:t>)</a:t>
+            </a:r>
+            <a:endParaRPr lang="en-US" dirty="0"/>
+          </a:p>
+        </p:txBody>
+      </p:sp>
+      <p:pic>
+        <p:nvPicPr>
+          <p:cNvPr id="4" name="Picture 3"/>
+          <p:cNvPicPr>
+            <a:picLocks noChangeAspect="1"/>
+          </p:cNvPicPr>
+          <p:nvPr/>
+        </p:nvPicPr>
+        <p:blipFill>
+          <a:blip r:embed="rId2">
+            <a:extLst>
+              <a:ext uri="{28A0092B-C50C-407E-A947-70E740481C1C}">
+                <a14:useLocalDpi xmlns:a14="http://schemas.microsoft.com/office/drawing/2010/main" val="0"/>
+              </a:ext>
+            </a:extLst>
+          </a:blip>
+          <a:stretch>
+            <a:fillRect/>
+          </a:stretch>
+        </p:blipFill>
+        <p:spPr>
+          <a:xfrm>
+            <a:off x="2421228" y="1389137"/>
+            <a:ext cx="6800837" cy="5315330"/>
+          </a:xfrm>
+          <a:prstGeom prst="rect">
+            <a:avLst/>
+          </a:prstGeom>
+        </p:spPr>
+      </p:pic>
     </p:spTree>
     <p:extLst>
       <p:ext uri="{BB962C8B-B14F-4D97-AF65-F5344CB8AC3E}">
@@ -6590,6 +6640,42 @@
           <a:chExt cx="0" cy="0"/>
         </a:xfrm>
       </p:grpSpPr>
+      <p:sp>
+        <p:nvSpPr>
+          <p:cNvPr id="2" name="Title 1"/>
+          <p:cNvSpPr>
+            <a:spLocks noGrp="1"/>
+          </p:cNvSpPr>
+          <p:nvPr>
+            <p:ph type="title"/>
+          </p:nvPr>
+        </p:nvSpPr>
+        <p:spPr>
+          <a:xfrm>
+            <a:off x="285503" y="344069"/>
+            <a:ext cx="9404723" cy="1400530"/>
+          </a:xfrm>
+        </p:spPr>
+        <p:txBody>
+          <a:bodyPr/>
+          <a:lstStyle/>
+          <a:p>
+            <a:r>
+              <a:rPr lang="pt-BR" dirty="0" smtClean="0"/>
+              <a:t>Como montou o </a:t>
+            </a:r>
+            <a:r>
+              <a:rPr lang="pt-BR" dirty="0" err="1" smtClean="0"/>
+              <a:t>dataset</a:t>
+            </a:r>
+            <a:r>
+              <a:rPr lang="pt-BR" dirty="0" smtClean="0"/>
+              <a:t>?</a:t>
+            </a:r>
+            <a:endParaRPr lang="en-US" dirty="0"/>
+          </a:p>
+        </p:txBody>
+      </p:sp>
       <p:pic>
         <p:nvPicPr>
           <p:cNvPr id="4" name="Content Placeholder 3"/>
@@ -6619,42 +6705,6 @@
           </a:xfrm>
         </p:spPr>
       </p:pic>
-      <p:sp>
-        <p:nvSpPr>
-          <p:cNvPr id="2" name="Title 1"/>
-          <p:cNvSpPr>
-            <a:spLocks noGrp="1"/>
-          </p:cNvSpPr>
-          <p:nvPr>
-            <p:ph type="title"/>
-          </p:nvPr>
-        </p:nvSpPr>
-        <p:spPr>
-          <a:xfrm rot="21413526">
-            <a:off x="221108" y="253917"/>
-            <a:ext cx="9404723" cy="1400530"/>
-          </a:xfrm>
-        </p:spPr>
-        <p:txBody>
-          <a:bodyPr/>
-          <a:lstStyle/>
-          <a:p>
-            <a:r>
-              <a:rPr lang="pt-BR" dirty="0" smtClean="0"/>
-              <a:t>Como montou o </a:t>
-            </a:r>
-            <a:r>
-              <a:rPr lang="pt-BR" dirty="0" err="1" smtClean="0"/>
-              <a:t>dataset</a:t>
-            </a:r>
-            <a:r>
-              <a:rPr lang="pt-BR" dirty="0" smtClean="0"/>
-              <a:t>?</a:t>
-            </a:r>
-            <a:endParaRPr lang="en-US" dirty="0"/>
-          </a:p>
-        </p:txBody>
-      </p:sp>
     </p:spTree>
     <p:extLst>
       <p:ext uri="{BB962C8B-B14F-4D97-AF65-F5344CB8AC3E}">
@@ -7662,59 +7712,6 @@
                       </p:childTnLst>
                     </p:cTn>
                   </p:par>
-                  <p:par>
-                    <p:cTn id="7" fill="hold">
-                      <p:stCondLst>
-                        <p:cond delay="indefinite"/>
-                      </p:stCondLst>
-                      <p:childTnLst>
-                        <p:par>
-                          <p:cTn id="8" fill="hold">
-                            <p:stCondLst>
-                              <p:cond delay="0"/>
-                            </p:stCondLst>
-                            <p:childTnLst>
-                              <p:par>
-                                <p:cTn id="9" presetID="14" presetClass="exit" presetSubtype="10" fill="hold" nodeType="clickEffect">
-                                  <p:stCondLst>
-                                    <p:cond delay="0"/>
-                                  </p:stCondLst>
-                                  <p:childTnLst>
-                                    <p:animEffect transition="out" filter="randombar(horizontal)">
-                                      <p:cBhvr>
-                                        <p:cTn id="10" dur="500"/>
-                                        <p:tgtEl>
-                                          <p:spTgt spid="5"/>
-                                        </p:tgtEl>
-                                      </p:cBhvr>
-                                    </p:animEffect>
-                                    <p:set>
-                                      <p:cBhvr>
-                                        <p:cTn id="11" dur="1" fill="hold">
-                                          <p:stCondLst>
-                                            <p:cond delay="499"/>
-                                          </p:stCondLst>
-                                        </p:cTn>
-                                        <p:tgtEl>
-                                          <p:spTgt spid="5"/>
-                                        </p:tgtEl>
-                                        <p:attrNameLst>
-                                          <p:attrName>style.visibility</p:attrName>
-                                        </p:attrNameLst>
-                                      </p:cBhvr>
-                                      <p:to>
-                                        <p:strVal val="hidden"/>
-                                      </p:to>
-                                    </p:set>
-                                  </p:childTnLst>
-                                </p:cTn>
-                              </p:par>
-                            </p:childTnLst>
-                          </p:cTn>
-                        </p:par>
-                      </p:childTnLst>
-                    </p:cTn>
-                  </p:par>
                 </p:childTnLst>
               </p:cTn>
               <p:prevCondLst>
@@ -7734,7 +7731,7 @@
             </p:seq>
             <p:audio>
               <p:cMediaNode vol="80000">
-                <p:cTn id="12" fill="hold" display="0">
+                <p:cTn id="7" fill="hold" display="0">
                   <p:stCondLst>
                     <p:cond delay="indefinite"/>
                   </p:stCondLst>
